--- a/Output/sensitivity establish.pptx
+++ b/Output/sensitivity establish.pptx
@@ -208,7 +208,7 @@
           <a:p>
             <a:fld id="{F43C05AD-A5B8-9747-9713-DE489BB5CEBB}" type="datetimeFigureOut">
               <a:rPr lang="en-US" smtClean="0"/>
-              <a:t>3/16/24</a:t>
+              <a:t>3/19/24</a:t>
             </a:fld>
             <a:endParaRPr lang="en-US"/>
           </a:p>
@@ -695,7 +695,7 @@
           <a:p>
             <a:fld id="{BB4D90AF-76CF-854C-865F-96355B117E90}" type="datetimeFigureOut">
               <a:rPr lang="en-US" smtClean="0"/>
-              <a:t>3/16/24</a:t>
+              <a:t>3/19/24</a:t>
             </a:fld>
             <a:endParaRPr lang="en-US"/>
           </a:p>
@@ -865,7 +865,7 @@
           <a:p>
             <a:fld id="{BB4D90AF-76CF-854C-865F-96355B117E90}" type="datetimeFigureOut">
               <a:rPr lang="en-US" smtClean="0"/>
-              <a:t>3/16/24</a:t>
+              <a:t>3/19/24</a:t>
             </a:fld>
             <a:endParaRPr lang="en-US"/>
           </a:p>
@@ -1045,7 +1045,7 @@
           <a:p>
             <a:fld id="{BB4D90AF-76CF-854C-865F-96355B117E90}" type="datetimeFigureOut">
               <a:rPr lang="en-US" smtClean="0"/>
-              <a:t>3/16/24</a:t>
+              <a:t>3/19/24</a:t>
             </a:fld>
             <a:endParaRPr lang="en-US"/>
           </a:p>
@@ -1215,7 +1215,7 @@
           <a:p>
             <a:fld id="{BB4D90AF-76CF-854C-865F-96355B117E90}" type="datetimeFigureOut">
               <a:rPr lang="en-US" smtClean="0"/>
-              <a:t>3/16/24</a:t>
+              <a:t>3/19/24</a:t>
             </a:fld>
             <a:endParaRPr lang="en-US"/>
           </a:p>
@@ -1459,7 +1459,7 @@
           <a:p>
             <a:fld id="{BB4D90AF-76CF-854C-865F-96355B117E90}" type="datetimeFigureOut">
               <a:rPr lang="en-US" smtClean="0"/>
-              <a:t>3/16/24</a:t>
+              <a:t>3/19/24</a:t>
             </a:fld>
             <a:endParaRPr lang="en-US"/>
           </a:p>
@@ -1691,7 +1691,7 @@
           <a:p>
             <a:fld id="{BB4D90AF-76CF-854C-865F-96355B117E90}" type="datetimeFigureOut">
               <a:rPr lang="en-US" smtClean="0"/>
-              <a:t>3/16/24</a:t>
+              <a:t>3/19/24</a:t>
             </a:fld>
             <a:endParaRPr lang="en-US"/>
           </a:p>
@@ -2058,7 +2058,7 @@
           <a:p>
             <a:fld id="{BB4D90AF-76CF-854C-865F-96355B117E90}" type="datetimeFigureOut">
               <a:rPr lang="en-US" smtClean="0"/>
-              <a:t>3/16/24</a:t>
+              <a:t>3/19/24</a:t>
             </a:fld>
             <a:endParaRPr lang="en-US"/>
           </a:p>
@@ -2176,7 +2176,7 @@
           <a:p>
             <a:fld id="{BB4D90AF-76CF-854C-865F-96355B117E90}" type="datetimeFigureOut">
               <a:rPr lang="en-US" smtClean="0"/>
-              <a:t>3/16/24</a:t>
+              <a:t>3/19/24</a:t>
             </a:fld>
             <a:endParaRPr lang="en-US"/>
           </a:p>
@@ -2271,7 +2271,7 @@
           <a:p>
             <a:fld id="{BB4D90AF-76CF-854C-865F-96355B117E90}" type="datetimeFigureOut">
               <a:rPr lang="en-US" smtClean="0"/>
-              <a:t>3/16/24</a:t>
+              <a:t>3/19/24</a:t>
             </a:fld>
             <a:endParaRPr lang="en-US"/>
           </a:p>
@@ -2548,7 +2548,7 @@
           <a:p>
             <a:fld id="{BB4D90AF-76CF-854C-865F-96355B117E90}" type="datetimeFigureOut">
               <a:rPr lang="en-US" smtClean="0"/>
-              <a:t>3/16/24</a:t>
+              <a:t>3/19/24</a:t>
             </a:fld>
             <a:endParaRPr lang="en-US"/>
           </a:p>
@@ -2805,7 +2805,7 @@
           <a:p>
             <a:fld id="{BB4D90AF-76CF-854C-865F-96355B117E90}" type="datetimeFigureOut">
               <a:rPr lang="en-US" smtClean="0"/>
-              <a:t>3/16/24</a:t>
+              <a:t>3/19/24</a:t>
             </a:fld>
             <a:endParaRPr lang="en-US"/>
           </a:p>
@@ -3018,7 +3018,7 @@
           <a:p>
             <a:fld id="{BB4D90AF-76CF-854C-865F-96355B117E90}" type="datetimeFigureOut">
               <a:rPr lang="en-US" smtClean="0"/>
-              <a:t>3/16/24</a:t>
+              <a:t>3/19/24</a:t>
             </a:fld>
             <a:endParaRPr lang="en-US"/>
           </a:p>
@@ -3437,7 +3437,7 @@
         </p:nvSpPr>
         <p:spPr>
           <a:xfrm>
-            <a:off x="4111847" y="8201861"/>
+            <a:off x="4444361" y="8201861"/>
             <a:ext cx="2247794" cy="230832"/>
           </a:xfrm>
           <a:prstGeom prst="rect">
@@ -3476,7 +3476,7 @@
         </p:nvGrpSpPr>
         <p:grpSpPr>
           <a:xfrm>
-            <a:off x="730195" y="52652"/>
+            <a:off x="1062709" y="52652"/>
             <a:ext cx="2617417" cy="382590"/>
             <a:chOff x="246519" y="3276513"/>
             <a:chExt cx="2617417" cy="382590"/>
@@ -3515,7 +3515,7 @@
                   <a:latin typeface="Arial" panose="020B0604020202020204" pitchFamily="34" charset="0"/>
                   <a:cs typeface="Arial" panose="020B0604020202020204" pitchFamily="34" charset="0"/>
                 </a:rPr>
-                <a:t>probability of unloading each container at each port</a:t>
+                <a:t>probability of surviving after unloading at each port</a:t>
               </a:r>
             </a:p>
           </p:txBody>
@@ -4201,7 +4201,7 @@
         </p:nvSpPr>
         <p:spPr>
           <a:xfrm rot="16200000">
-            <a:off x="2823" y="6942872"/>
+            <a:off x="335337" y="6942872"/>
             <a:ext cx="1812550" cy="369332"/>
           </a:xfrm>
           <a:prstGeom prst="rect">
@@ -4240,7 +4240,7 @@
         </p:nvSpPr>
         <p:spPr>
           <a:xfrm>
-            <a:off x="1219692" y="8240767"/>
+            <a:off x="1552206" y="8240767"/>
             <a:ext cx="2247794" cy="369332"/>
           </a:xfrm>
           <a:prstGeom prst="rect">
@@ -4279,7 +4279,7 @@
         </p:nvGrpSpPr>
         <p:grpSpPr>
           <a:xfrm>
-            <a:off x="3540485" y="50431"/>
+            <a:off x="3872999" y="50431"/>
             <a:ext cx="3138460" cy="381985"/>
             <a:chOff x="3897177" y="3288766"/>
             <a:chExt cx="3138460" cy="381985"/>
@@ -5016,7 +5016,7 @@
         </p:nvSpPr>
         <p:spPr>
           <a:xfrm rot="16200000">
-            <a:off x="2823" y="5081916"/>
+            <a:off x="335337" y="5081916"/>
             <a:ext cx="1812550" cy="369332"/>
           </a:xfrm>
           <a:prstGeom prst="rect">
@@ -5055,7 +5055,7 @@
         </p:nvSpPr>
         <p:spPr>
           <a:xfrm rot="16200000">
-            <a:off x="2824" y="1360005"/>
+            <a:off x="335338" y="1360005"/>
             <a:ext cx="1812550" cy="369332"/>
           </a:xfrm>
           <a:prstGeom prst="rect">
@@ -5094,7 +5094,7 @@
         </p:nvSpPr>
         <p:spPr>
           <a:xfrm rot="16200000">
-            <a:off x="2823" y="3220961"/>
+            <a:off x="335337" y="3220961"/>
             <a:ext cx="1812550" cy="369332"/>
           </a:xfrm>
           <a:prstGeom prst="rect">
@@ -5133,7 +5133,7 @@
         </p:nvSpPr>
         <p:spPr>
           <a:xfrm rot="16200000">
-            <a:off x="2818877" y="6941686"/>
+            <a:off x="3151391" y="6941686"/>
             <a:ext cx="1812550" cy="369332"/>
           </a:xfrm>
           <a:prstGeom prst="rect">
@@ -5172,7 +5172,7 @@
         </p:nvSpPr>
         <p:spPr>
           <a:xfrm rot="16200000">
-            <a:off x="2818877" y="5080730"/>
+            <a:off x="3151391" y="5080730"/>
             <a:ext cx="1812550" cy="369332"/>
           </a:xfrm>
           <a:prstGeom prst="rect">
@@ -5211,7 +5211,7 @@
         </p:nvSpPr>
         <p:spPr>
           <a:xfrm rot="16200000">
-            <a:off x="2818878" y="1358819"/>
+            <a:off x="3151392" y="1358819"/>
             <a:ext cx="1812550" cy="369332"/>
           </a:xfrm>
           <a:prstGeom prst="rect">
@@ -5250,7 +5250,7 @@
         </p:nvSpPr>
         <p:spPr>
           <a:xfrm rot="16200000">
-            <a:off x="2818877" y="3219775"/>
+            <a:off x="3151391" y="3219775"/>
             <a:ext cx="1812550" cy="369332"/>
           </a:xfrm>
           <a:prstGeom prst="rect">
@@ -5289,7 +5289,7 @@
         </p:nvSpPr>
         <p:spPr>
           <a:xfrm rot="16200000">
-            <a:off x="-469895" y="1360005"/>
+            <a:off x="-137381" y="1360005"/>
             <a:ext cx="1586562" cy="369332"/>
           </a:xfrm>
           <a:prstGeom prst="rect">
@@ -5328,7 +5328,7 @@
         </p:nvSpPr>
         <p:spPr>
           <a:xfrm rot="16200000">
-            <a:off x="-469896" y="3220961"/>
+            <a:off x="-137382" y="3220961"/>
             <a:ext cx="1586562" cy="369332"/>
           </a:xfrm>
           <a:prstGeom prst="rect">
@@ -5367,7 +5367,7 @@
         </p:nvSpPr>
         <p:spPr>
           <a:xfrm rot="16200000">
-            <a:off x="-469896" y="5081916"/>
+            <a:off x="-137382" y="5081916"/>
             <a:ext cx="1586562" cy="369332"/>
           </a:xfrm>
           <a:prstGeom prst="rect">
@@ -5406,7 +5406,7 @@
         </p:nvSpPr>
         <p:spPr>
           <a:xfrm rot="16200000">
-            <a:off x="-469896" y="6942872"/>
+            <a:off x="-137382" y="6942872"/>
             <a:ext cx="1586562" cy="369332"/>
           </a:xfrm>
           <a:prstGeom prst="rect">
@@ -5445,7 +5445,7 @@
         </p:nvSpPr>
         <p:spPr>
           <a:xfrm>
-            <a:off x="3072013" y="712454"/>
+            <a:off x="3404527" y="712454"/>
             <a:ext cx="601998" cy="253916"/>
           </a:xfrm>
           <a:prstGeom prst="rect">
@@ -5483,7 +5483,7 @@
         </p:nvSpPr>
         <p:spPr>
           <a:xfrm>
-            <a:off x="5988769" y="716044"/>
+            <a:off x="6321283" y="716044"/>
             <a:ext cx="601998" cy="253916"/>
           </a:xfrm>
           <a:prstGeom prst="rect">
@@ -5521,7 +5521,7 @@
         </p:nvSpPr>
         <p:spPr>
           <a:xfrm>
-            <a:off x="3072013" y="2573730"/>
+            <a:off x="3404527" y="2573730"/>
             <a:ext cx="601998" cy="253916"/>
           </a:xfrm>
           <a:prstGeom prst="rect">
@@ -5559,7 +5559,7 @@
         </p:nvSpPr>
         <p:spPr>
           <a:xfrm>
-            <a:off x="5988769" y="2577320"/>
+            <a:off x="6321283" y="2577320"/>
             <a:ext cx="601998" cy="253916"/>
           </a:xfrm>
           <a:prstGeom prst="rect">
@@ -5597,7 +5597,7 @@
         </p:nvSpPr>
         <p:spPr>
           <a:xfrm>
-            <a:off x="3072013" y="4435006"/>
+            <a:off x="3404527" y="4435006"/>
             <a:ext cx="601998" cy="253916"/>
           </a:xfrm>
           <a:prstGeom prst="rect">
@@ -5635,7 +5635,7 @@
         </p:nvSpPr>
         <p:spPr>
           <a:xfrm>
-            <a:off x="5988769" y="4438596"/>
+            <a:off x="6321283" y="4438596"/>
             <a:ext cx="601998" cy="253916"/>
           </a:xfrm>
           <a:prstGeom prst="rect">
@@ -5673,7 +5673,7 @@
         </p:nvSpPr>
         <p:spPr>
           <a:xfrm>
-            <a:off x="3072013" y="6296282"/>
+            <a:off x="3404527" y="6296282"/>
             <a:ext cx="601998" cy="253916"/>
           </a:xfrm>
           <a:prstGeom prst="rect">
@@ -5711,7 +5711,7 @@
         </p:nvSpPr>
         <p:spPr>
           <a:xfrm>
-            <a:off x="5988769" y="6299872"/>
+            <a:off x="6321283" y="6299872"/>
             <a:ext cx="601998" cy="253916"/>
           </a:xfrm>
           <a:prstGeom prst="rect">
@@ -5756,7 +5756,7 @@
         </p:blipFill>
         <p:spPr>
           <a:xfrm>
-            <a:off x="1037771" y="588804"/>
+            <a:off x="1370285" y="588804"/>
             <a:ext cx="2544535" cy="1952242"/>
           </a:xfrm>
           <a:prstGeom prst="rect">
@@ -5785,7 +5785,7 @@
         </p:blipFill>
         <p:spPr>
           <a:xfrm>
-            <a:off x="1037771" y="2493752"/>
+            <a:off x="1370285" y="2493752"/>
             <a:ext cx="2544535" cy="1940805"/>
           </a:xfrm>
           <a:prstGeom prst="rect">
@@ -5814,7 +5814,7 @@
         </p:blipFill>
         <p:spPr>
           <a:xfrm>
-            <a:off x="1037771" y="4386281"/>
+            <a:off x="1370285" y="4386281"/>
             <a:ext cx="2544535" cy="1910001"/>
           </a:xfrm>
           <a:prstGeom prst="rect">
@@ -5843,7 +5843,7 @@
         </p:blipFill>
         <p:spPr>
           <a:xfrm>
-            <a:off x="1037771" y="6220075"/>
+            <a:off x="1370285" y="6220075"/>
             <a:ext cx="2544535" cy="2020692"/>
           </a:xfrm>
           <a:prstGeom prst="rect">
@@ -5872,7 +5872,7 @@
         </p:blipFill>
         <p:spPr>
           <a:xfrm>
-            <a:off x="3989350" y="598957"/>
+            <a:off x="4321864" y="598957"/>
             <a:ext cx="2544535" cy="1974773"/>
           </a:xfrm>
           <a:prstGeom prst="rect">
@@ -5901,7 +5901,7 @@
         </p:blipFill>
         <p:spPr>
           <a:xfrm>
-            <a:off x="3989350" y="2566847"/>
+            <a:off x="4321864" y="2566847"/>
             <a:ext cx="2544535" cy="1868159"/>
           </a:xfrm>
           <a:prstGeom prst="rect">
@@ -5930,7 +5930,7 @@
         </p:blipFill>
         <p:spPr>
           <a:xfrm>
-            <a:off x="3909818" y="4343400"/>
+            <a:off x="4242332" y="4343400"/>
             <a:ext cx="2624067" cy="1952882"/>
           </a:xfrm>
           <a:prstGeom prst="rect">
@@ -5959,7 +5959,7 @@
         </p:blipFill>
         <p:spPr>
           <a:xfrm>
-            <a:off x="3989350" y="6220075"/>
+            <a:off x="4321864" y="6220075"/>
             <a:ext cx="2544535" cy="2020692"/>
           </a:xfrm>
           <a:prstGeom prst="rect">
